--- a/protocol.pptx
+++ b/protocol.pptx
@@ -206,7 +206,7 @@
           <a:p>
             <a:fld id="{6CF07771-3FAA-4D43-A059-9A7D838C2880}" type="datetimeFigureOut">
               <a:rPr lang="en-US" smtClean="0"/>
-              <a:t>5/31/2022</a:t>
+              <a:t>6/8/2022</a:t>
             </a:fld>
             <a:endParaRPr lang="en-US"/>
           </a:p>
@@ -1146,7 +1146,7 @@
           <a:p>
             <a:fld id="{471D0754-1959-7F4F-A198-3F4710E170D8}" type="datetime1">
               <a:rPr lang="en-US" noProof="0" smtClean="0"/>
-              <a:t>5/31/2022</a:t>
+              <a:t>6/8/2022</a:t>
             </a:fld>
             <a:endParaRPr lang="en-US" noProof="0"/>
           </a:p>
@@ -1506,7 +1506,7 @@
           <a:p>
             <a:fld id="{471D0754-1959-7F4F-A198-3F4710E170D8}" type="datetime1">
               <a:rPr lang="en-US" noProof="0" smtClean="0"/>
-              <a:t>5/31/2022</a:t>
+              <a:t>6/8/2022</a:t>
             </a:fld>
             <a:endParaRPr lang="en-US" noProof="0"/>
           </a:p>
@@ -1842,7 +1842,7 @@
           <a:p>
             <a:fld id="{471D0754-1959-7F4F-A198-3F4710E170D8}" type="datetime1">
               <a:rPr lang="en-US" noProof="0" smtClean="0"/>
-              <a:t>5/31/2022</a:t>
+              <a:t>6/8/2022</a:t>
             </a:fld>
             <a:endParaRPr lang="en-US" noProof="0"/>
           </a:p>
@@ -2182,7 +2182,7 @@
           <a:p>
             <a:fld id="{F316E73E-FB98-2A42-974A-9CD83D46C100}" type="datetime1">
               <a:rPr lang="en-US" noProof="0" smtClean="0"/>
-              <a:t>5/31/2022</a:t>
+              <a:t>6/8/2022</a:t>
             </a:fld>
             <a:endParaRPr lang="en-US" noProof="0"/>
           </a:p>
@@ -2570,7 +2570,7 @@
           <a:p>
             <a:fld id="{98A115EF-7A83-9842-815E-554E5DEB63CD}" type="datetime1">
               <a:rPr lang="en-US" noProof="0" smtClean="0"/>
-              <a:t>5/31/2022</a:t>
+              <a:t>6/8/2022</a:t>
             </a:fld>
             <a:endParaRPr lang="en-US" noProof="0"/>
           </a:p>
@@ -2687,7 +2687,7 @@
           <a:p>
             <a:fld id="{4BE097A0-4000-B744-87D8-18F42A934248}" type="datetime1">
               <a:rPr lang="en-US" noProof="0" smtClean="0"/>
-              <a:t>5/31/2022</a:t>
+              <a:t>6/8/2022</a:t>
             </a:fld>
             <a:endParaRPr lang="en-US" noProof="0"/>
           </a:p>
@@ -2782,7 +2782,7 @@
           <a:p>
             <a:fld id="{46974EA9-4639-9B48-9E98-70455404EF00}" type="datetime1">
               <a:rPr lang="en-US" noProof="0" smtClean="0"/>
-              <a:t>5/31/2022</a:t>
+              <a:t>6/8/2022</a:t>
             </a:fld>
             <a:endParaRPr lang="en-US" noProof="0"/>
           </a:p>
@@ -16906,7 +16906,7 @@
           <a:p>
             <a:fld id="{C3BDDDD7-72ED-FC4E-8075-0107060235C5}" type="datetime1">
               <a:rPr lang="en-US" noProof="0" smtClean="0"/>
-              <a:t>5/31/2022</a:t>
+              <a:t>6/8/2022</a:t>
             </a:fld>
             <a:endParaRPr lang="en-US" noProof="0"/>
           </a:p>
@@ -17154,7 +17154,7 @@
           <a:p>
             <a:fld id="{26B3D9D9-8B30-6A45-929D-0A0366E2E953}" type="datetime1">
               <a:rPr lang="en-US" noProof="0" smtClean="0"/>
-              <a:t>5/31/2022</a:t>
+              <a:t>6/8/2022</a:t>
             </a:fld>
             <a:endParaRPr lang="en-US" noProof="0"/>
           </a:p>
@@ -18116,7 +18116,7 @@
           <a:p>
             <a:fld id="{54919B67-2563-3544-8019-B2D766585AE6}" type="datetime1">
               <a:rPr lang="en-US" noProof="0" smtClean="0"/>
-              <a:t>5/31/2022</a:t>
+              <a:t>6/8/2022</a:t>
             </a:fld>
             <a:endParaRPr lang="en-US" noProof="0"/>
           </a:p>
@@ -18691,7 +18691,7 @@
           <a:p>
             <a:fld id="{471D0754-1959-7F4F-A198-3F4710E170D8}" type="datetime1">
               <a:rPr lang="en-US" noProof="0" smtClean="0"/>
-              <a:t>5/31/2022</a:t>
+              <a:t>6/8/2022</a:t>
             </a:fld>
             <a:endParaRPr lang="en-US" noProof="0"/>
           </a:p>
@@ -19200,7 +19200,7 @@
           <a:p>
             <a:fld id="{F8F1C92E-34EF-7443-98EE-55EB64C2F5FD}" type="datetime1">
               <a:rPr lang="en-US" noProof="0" smtClean="0"/>
-              <a:t>5/31/2022</a:t>
+              <a:t>6/8/2022</a:t>
             </a:fld>
             <a:endParaRPr lang="en-US" noProof="0"/>
           </a:p>
@@ -20120,7 +20120,7 @@
           <a:p>
             <a:fld id="{4176DA4A-63D4-BC43-9B38-53D06F7CC9C4}" type="datetime1">
               <a:rPr lang="en-US" noProof="0" smtClean="0"/>
-              <a:t>5/31/2022</a:t>
+              <a:t>6/8/2022</a:t>
             </a:fld>
             <a:endParaRPr lang="en-US" noProof="0"/>
           </a:p>
@@ -21782,7 +21782,7 @@
           <a:p>
             <a:fld id="{529964A5-3468-3F49-AD7A-0CF5EB762F89}" type="datetime1">
               <a:rPr lang="en-US" noProof="0" smtClean="0"/>
-              <a:t>5/31/2022</a:t>
+              <a:t>6/8/2022</a:t>
             </a:fld>
             <a:endParaRPr lang="en-US" noProof="0"/>
           </a:p>
@@ -22276,7 +22276,7 @@
           <a:p>
             <a:fld id="{A90851AE-F437-A04B-ADE2-D5E346F2089C}" type="datetime1">
               <a:rPr lang="en-US" noProof="0" smtClean="0"/>
-              <a:t>5/31/2022</a:t>
+              <a:t>6/8/2022</a:t>
             </a:fld>
             <a:endParaRPr lang="en-US" noProof="0"/>
           </a:p>
@@ -23325,7 +23325,7 @@
           <a:p>
             <a:r>
               <a:rPr lang="en-US" dirty="0"/>
-              <a:t>Kahoot clone allows user login and answer question at the same time. User can create room and send code to other friends to play together.</a:t>
+              <a:t>Kahoot clone allows multiple users login and answer question at the same time. User can create room and send code to other friends to play together.</a:t>
             </a:r>
           </a:p>
         </p:txBody>
@@ -24269,7 +24269,7 @@
           <a:p>
             <a:r>
               <a:rPr lang="en-US" dirty="0"/>
-              <a:t>Kahoot clone allows user login and answer question at the same time. User can create room and send code to other friends to play together.</a:t>
+              <a:t>Kahoot clone allows multiple users login and answer question at the same time. User can create room and send code to other friends to play together.</a:t>
             </a:r>
           </a:p>
         </p:txBody>
@@ -25987,7 +25987,7 @@
           <a:p>
             <a:r>
               <a:rPr lang="en-US" dirty="0"/>
-              <a:t>Kahoot clone allows user login and answer question at the same time. User can create room and send code to other friends to play together.</a:t>
+              <a:t>Kahoot clone allows multiple users login and answer question at the same time. User can create room and send code to other friends to play together.</a:t>
             </a:r>
           </a:p>
         </p:txBody>
